--- a/apresentacao/VaiJunto-Conectando-Universitarios-com-Caronas-Inteligentes (1).pptx
+++ b/apresentacao/VaiJunto-Conectando-Universitarios-com-Caronas-Inteligentes (1).pptx
@@ -18,6 +18,11 @@
     <p:sldId id="266" r:id="rId12"/>
     <p:sldId id="267" r:id="rId13"/>
     <p:sldId id="268" r:id="rId14"/>
+    <p:sldId id="269" r:id="rId15"/>
+    <p:sldId id="270" r:id="rId16"/>
+    <p:sldId id="271" r:id="rId17"/>
+    <p:sldId id="272" r:id="rId18"/>
+    <p:sldId id="273" r:id="rId19"/>
   </p:sldIdLst>
   <p:sldSz cx="11430000" cy="10890250"/>
   <p:notesSz cx="11430000" cy="10890250"/>
@@ -196,7 +201,7 @@
           <a:p>
             <a:fld id="{1D8BD707-D9CF-40AE-B4C6-C98DA3205C09}" type="datetimeFigureOut">
               <a:rPr lang="en-US"/>
-              <a:t>11/14/2025</a:t>
+              <a:t>11/24/2025</a:t>
             </a:fld>
             <a:endParaRPr lang="en-US"/>
           </a:p>
@@ -373,7 +378,7 @@
           <a:p>
             <a:fld id="{1D8BD707-D9CF-40AE-B4C6-C98DA3205C09}" type="datetimeFigureOut">
               <a:rPr lang="en-US"/>
-              <a:t>11/14/2025</a:t>
+              <a:t>11/24/2025</a:t>
             </a:fld>
             <a:endParaRPr lang="en-US"/>
           </a:p>
@@ -645,7 +650,7 @@
           <a:p>
             <a:fld id="{1D8BD707-D9CF-40AE-B4C6-C98DA3205C09}" type="datetimeFigureOut">
               <a:rPr lang="en-US"/>
-              <a:t>11/14/2025</a:t>
+              <a:t>11/24/2025</a:t>
             </a:fld>
             <a:endParaRPr lang="en-US"/>
           </a:p>
@@ -793,7 +798,7 @@
           <a:p>
             <a:fld id="{1D8BD707-D9CF-40AE-B4C6-C98DA3205C09}" type="datetimeFigureOut">
               <a:rPr lang="en-US"/>
-              <a:t>11/14/2025</a:t>
+              <a:t>11/24/2025</a:t>
             </a:fld>
             <a:endParaRPr lang="en-US"/>
           </a:p>
@@ -912,7 +917,7 @@
           <a:p>
             <a:fld id="{1D8BD707-D9CF-40AE-B4C6-C98DA3205C09}" type="datetimeFigureOut">
               <a:rPr lang="en-US"/>
-              <a:t>11/14/2025</a:t>
+              <a:t>11/24/2025</a:t>
             </a:fld>
             <a:endParaRPr lang="en-US"/>
           </a:p>
@@ -1187,7 +1192,7 @@
           <a:p>
             <a:fld id="{1D8BD707-D9CF-40AE-B4C6-C98DA3205C09}" type="datetimeFigureOut">
               <a:rPr lang="en-US"/>
-              <a:t>11/14/2025</a:t>
+              <a:t>11/24/2025</a:t>
             </a:fld>
             <a:endParaRPr lang="en-US"/>
           </a:p>
@@ -1421,7 +1426,7 @@
         <p:spPr>
           <a:xfrm>
             <a:off x="0" y="253"/>
-            <a:ext cx="4286250" cy="6438645"/>
+            <a:ext cx="4114800" cy="6438645"/>
           </a:xfrm>
           <a:prstGeom prst="rect">
             <a:avLst/>
@@ -1499,7 +1504,7 @@
         </p:blipFill>
         <p:spPr>
           <a:xfrm>
-            <a:off x="9580244" y="5926073"/>
+            <a:off x="9669634" y="5902325"/>
             <a:ext cx="1754504" cy="419100"/>
           </a:xfrm>
           <a:prstGeom prst="rect">
@@ -1915,6 +1920,490 @@
       </p:par>
     </p:tnLst>
   </p:timing>
+</p:sld>
+</file>
+
+<file path=ppt/slides/slide14.xml><?xml version="1.0" encoding="utf-8"?>
+<p:sld xmlns:a="http://schemas.openxmlformats.org/drawingml/2006/main" xmlns:r="http://schemas.openxmlformats.org/officeDocument/2006/relationships" xmlns:p="http://schemas.openxmlformats.org/presentationml/2006/main">
+  <p:cSld>
+    <p:spTree>
+      <p:nvGrpSpPr>
+        <p:cNvPr id="1" name=""/>
+        <p:cNvGrpSpPr/>
+        <p:nvPr/>
+      </p:nvGrpSpPr>
+      <p:grpSpPr>
+        <a:xfrm>
+          <a:off x="0" y="0"/>
+          <a:ext cx="0" cy="0"/>
+          <a:chOff x="0" y="0"/>
+          <a:chExt cx="0" cy="0"/>
+        </a:xfrm>
+      </p:grpSpPr>
+      <p:sp>
+        <p:nvSpPr>
+          <p:cNvPr id="2" name="Título 1"/>
+          <p:cNvSpPr>
+            <a:spLocks noGrp="1"/>
+          </p:cNvSpPr>
+          <p:nvPr>
+            <p:ph type="title"/>
+          </p:nvPr>
+        </p:nvSpPr>
+        <p:spPr/>
+        <p:txBody>
+          <a:bodyPr/>
+          <a:lstStyle/>
+          <a:p>
+            <a:endParaRPr lang="pt-BR"/>
+          </a:p>
+        </p:txBody>
+      </p:sp>
+      <p:sp>
+        <p:nvSpPr>
+          <p:cNvPr id="3" name="Espaço Reservado para Texto 2"/>
+          <p:cNvSpPr>
+            <a:spLocks noGrp="1"/>
+          </p:cNvSpPr>
+          <p:nvPr>
+            <p:ph type="body" idx="1"/>
+          </p:nvPr>
+        </p:nvSpPr>
+        <p:spPr/>
+        <p:txBody>
+          <a:bodyPr/>
+          <a:lstStyle/>
+          <a:p>
+            <a:endParaRPr lang="pt-BR"/>
+          </a:p>
+        </p:txBody>
+      </p:sp>
+      <p:pic>
+        <p:nvPicPr>
+          <p:cNvPr id="4" name="Imagem 3"/>
+          <p:cNvPicPr>
+            <a:picLocks noChangeAspect="1"/>
+          </p:cNvPicPr>
+          <p:nvPr/>
+        </p:nvPicPr>
+        <p:blipFill>
+          <a:blip r:embed="rId2"/>
+          <a:stretch>
+            <a:fillRect/>
+          </a:stretch>
+        </p:blipFill>
+        <p:spPr>
+          <a:xfrm>
+            <a:off x="0" y="0"/>
+            <a:ext cx="11430000" cy="10890250"/>
+          </a:xfrm>
+          <a:prstGeom prst="rect">
+            <a:avLst/>
+          </a:prstGeom>
+        </p:spPr>
+      </p:pic>
+    </p:spTree>
+    <p:extLst>
+      <p:ext uri="{BB962C8B-B14F-4D97-AF65-F5344CB8AC3E}">
+        <p14:creationId xmlns:p14="http://schemas.microsoft.com/office/powerpoint/2010/main" val="379577648"/>
+      </p:ext>
+    </p:extLst>
+  </p:cSld>
+  <p:clrMapOvr>
+    <a:masterClrMapping/>
+  </p:clrMapOvr>
+</p:sld>
+</file>
+
+<file path=ppt/slides/slide15.xml><?xml version="1.0" encoding="utf-8"?>
+<p:sld xmlns:a="http://schemas.openxmlformats.org/drawingml/2006/main" xmlns:r="http://schemas.openxmlformats.org/officeDocument/2006/relationships" xmlns:p="http://schemas.openxmlformats.org/presentationml/2006/main">
+  <p:cSld>
+    <p:spTree>
+      <p:nvGrpSpPr>
+        <p:cNvPr id="1" name=""/>
+        <p:cNvGrpSpPr/>
+        <p:nvPr/>
+      </p:nvGrpSpPr>
+      <p:grpSpPr>
+        <a:xfrm>
+          <a:off x="0" y="0"/>
+          <a:ext cx="0" cy="0"/>
+          <a:chOff x="0" y="0"/>
+          <a:chExt cx="0" cy="0"/>
+        </a:xfrm>
+      </p:grpSpPr>
+      <p:sp>
+        <p:nvSpPr>
+          <p:cNvPr id="2" name="Título 1"/>
+          <p:cNvSpPr>
+            <a:spLocks noGrp="1"/>
+          </p:cNvSpPr>
+          <p:nvPr>
+            <p:ph type="title"/>
+          </p:nvPr>
+        </p:nvSpPr>
+        <p:spPr/>
+        <p:txBody>
+          <a:bodyPr/>
+          <a:lstStyle/>
+          <a:p>
+            <a:endParaRPr lang="pt-BR"/>
+          </a:p>
+        </p:txBody>
+      </p:sp>
+      <p:sp>
+        <p:nvSpPr>
+          <p:cNvPr id="3" name="Espaço Reservado para Texto 2"/>
+          <p:cNvSpPr>
+            <a:spLocks noGrp="1"/>
+          </p:cNvSpPr>
+          <p:nvPr>
+            <p:ph type="body" idx="1"/>
+          </p:nvPr>
+        </p:nvSpPr>
+        <p:spPr/>
+        <p:txBody>
+          <a:bodyPr/>
+          <a:lstStyle/>
+          <a:p>
+            <a:endParaRPr lang="pt-BR"/>
+          </a:p>
+        </p:txBody>
+      </p:sp>
+      <p:pic>
+        <p:nvPicPr>
+          <p:cNvPr id="4" name="Imagem 3"/>
+          <p:cNvPicPr>
+            <a:picLocks noChangeAspect="1"/>
+          </p:cNvPicPr>
+          <p:nvPr/>
+        </p:nvPicPr>
+        <p:blipFill>
+          <a:blip r:embed="rId2"/>
+          <a:stretch>
+            <a:fillRect/>
+          </a:stretch>
+        </p:blipFill>
+        <p:spPr>
+          <a:xfrm>
+            <a:off x="0" y="0"/>
+            <a:ext cx="11430000" cy="10890250"/>
+          </a:xfrm>
+          <a:prstGeom prst="rect">
+            <a:avLst/>
+          </a:prstGeom>
+        </p:spPr>
+      </p:pic>
+    </p:spTree>
+    <p:extLst>
+      <p:ext uri="{BB962C8B-B14F-4D97-AF65-F5344CB8AC3E}">
+        <p14:creationId xmlns:p14="http://schemas.microsoft.com/office/powerpoint/2010/main" val="4086745215"/>
+      </p:ext>
+    </p:extLst>
+  </p:cSld>
+  <p:clrMapOvr>
+    <a:masterClrMapping/>
+  </p:clrMapOvr>
+</p:sld>
+</file>
+
+<file path=ppt/slides/slide16.xml><?xml version="1.0" encoding="utf-8"?>
+<p:sld xmlns:a="http://schemas.openxmlformats.org/drawingml/2006/main" xmlns:r="http://schemas.openxmlformats.org/officeDocument/2006/relationships" xmlns:p="http://schemas.openxmlformats.org/presentationml/2006/main">
+  <p:cSld>
+    <p:spTree>
+      <p:nvGrpSpPr>
+        <p:cNvPr id="1" name=""/>
+        <p:cNvGrpSpPr/>
+        <p:nvPr/>
+      </p:nvGrpSpPr>
+      <p:grpSpPr>
+        <a:xfrm>
+          <a:off x="0" y="0"/>
+          <a:ext cx="0" cy="0"/>
+          <a:chOff x="0" y="0"/>
+          <a:chExt cx="0" cy="0"/>
+        </a:xfrm>
+      </p:grpSpPr>
+      <p:sp>
+        <p:nvSpPr>
+          <p:cNvPr id="2" name="Título 1"/>
+          <p:cNvSpPr>
+            <a:spLocks noGrp="1"/>
+          </p:cNvSpPr>
+          <p:nvPr>
+            <p:ph type="title"/>
+          </p:nvPr>
+        </p:nvSpPr>
+        <p:spPr/>
+        <p:txBody>
+          <a:bodyPr/>
+          <a:lstStyle/>
+          <a:p>
+            <a:endParaRPr lang="pt-BR"/>
+          </a:p>
+        </p:txBody>
+      </p:sp>
+      <p:sp>
+        <p:nvSpPr>
+          <p:cNvPr id="3" name="Espaço Reservado para Texto 2"/>
+          <p:cNvSpPr>
+            <a:spLocks noGrp="1"/>
+          </p:cNvSpPr>
+          <p:nvPr>
+            <p:ph type="body" idx="1"/>
+          </p:nvPr>
+        </p:nvSpPr>
+        <p:spPr/>
+        <p:txBody>
+          <a:bodyPr/>
+          <a:lstStyle/>
+          <a:p>
+            <a:endParaRPr lang="pt-BR"/>
+          </a:p>
+        </p:txBody>
+      </p:sp>
+      <p:pic>
+        <p:nvPicPr>
+          <p:cNvPr id="4" name="Imagem 3"/>
+          <p:cNvPicPr>
+            <a:picLocks noChangeAspect="1"/>
+          </p:cNvPicPr>
+          <p:nvPr/>
+        </p:nvPicPr>
+        <p:blipFill>
+          <a:blip r:embed="rId2"/>
+          <a:stretch>
+            <a:fillRect/>
+          </a:stretch>
+        </p:blipFill>
+        <p:spPr>
+          <a:xfrm>
+            <a:off x="0" y="0"/>
+            <a:ext cx="11430000" cy="4683124"/>
+          </a:xfrm>
+          <a:prstGeom prst="rect">
+            <a:avLst/>
+          </a:prstGeom>
+        </p:spPr>
+      </p:pic>
+      <p:pic>
+        <p:nvPicPr>
+          <p:cNvPr id="5" name="Imagem 4"/>
+          <p:cNvPicPr>
+            <a:picLocks noChangeAspect="1"/>
+          </p:cNvPicPr>
+          <p:nvPr/>
+        </p:nvPicPr>
+        <p:blipFill>
+          <a:blip r:embed="rId3"/>
+          <a:stretch>
+            <a:fillRect/>
+          </a:stretch>
+        </p:blipFill>
+        <p:spPr>
+          <a:xfrm>
+            <a:off x="1" y="4683124"/>
+            <a:ext cx="11430000" cy="6207125"/>
+          </a:xfrm>
+          <a:prstGeom prst="rect">
+            <a:avLst/>
+          </a:prstGeom>
+        </p:spPr>
+      </p:pic>
+    </p:spTree>
+    <p:extLst>
+      <p:ext uri="{BB962C8B-B14F-4D97-AF65-F5344CB8AC3E}">
+        <p14:creationId xmlns:p14="http://schemas.microsoft.com/office/powerpoint/2010/main" val="1588127333"/>
+      </p:ext>
+    </p:extLst>
+  </p:cSld>
+  <p:clrMapOvr>
+    <a:masterClrMapping/>
+  </p:clrMapOvr>
+</p:sld>
+</file>
+
+<file path=ppt/slides/slide17.xml><?xml version="1.0" encoding="utf-8"?>
+<p:sld xmlns:a="http://schemas.openxmlformats.org/drawingml/2006/main" xmlns:r="http://schemas.openxmlformats.org/officeDocument/2006/relationships" xmlns:p="http://schemas.openxmlformats.org/presentationml/2006/main">
+  <p:cSld>
+    <p:spTree>
+      <p:nvGrpSpPr>
+        <p:cNvPr id="1" name=""/>
+        <p:cNvGrpSpPr/>
+        <p:nvPr/>
+      </p:nvGrpSpPr>
+      <p:grpSpPr>
+        <a:xfrm>
+          <a:off x="0" y="0"/>
+          <a:ext cx="0" cy="0"/>
+          <a:chOff x="0" y="0"/>
+          <a:chExt cx="0" cy="0"/>
+        </a:xfrm>
+      </p:grpSpPr>
+      <p:sp>
+        <p:nvSpPr>
+          <p:cNvPr id="2" name="Título 1"/>
+          <p:cNvSpPr>
+            <a:spLocks noGrp="1"/>
+          </p:cNvSpPr>
+          <p:nvPr>
+            <p:ph type="title"/>
+          </p:nvPr>
+        </p:nvSpPr>
+        <p:spPr/>
+        <p:txBody>
+          <a:bodyPr/>
+          <a:lstStyle/>
+          <a:p>
+            <a:endParaRPr lang="pt-BR"/>
+          </a:p>
+        </p:txBody>
+      </p:sp>
+      <p:sp>
+        <p:nvSpPr>
+          <p:cNvPr id="3" name="Espaço Reservado para Texto 2"/>
+          <p:cNvSpPr>
+            <a:spLocks noGrp="1"/>
+          </p:cNvSpPr>
+          <p:nvPr>
+            <p:ph type="body" idx="1"/>
+          </p:nvPr>
+        </p:nvSpPr>
+        <p:spPr/>
+        <p:txBody>
+          <a:bodyPr/>
+          <a:lstStyle/>
+          <a:p>
+            <a:endParaRPr lang="pt-BR"/>
+          </a:p>
+        </p:txBody>
+      </p:sp>
+      <p:pic>
+        <p:nvPicPr>
+          <p:cNvPr id="4" name="Imagem 3"/>
+          <p:cNvPicPr>
+            <a:picLocks noChangeAspect="1"/>
+          </p:cNvPicPr>
+          <p:nvPr/>
+        </p:nvPicPr>
+        <p:blipFill>
+          <a:blip r:embed="rId2"/>
+          <a:stretch>
+            <a:fillRect/>
+          </a:stretch>
+        </p:blipFill>
+        <p:spPr>
+          <a:xfrm>
+            <a:off x="-1" y="0"/>
+            <a:ext cx="11430001" cy="10890249"/>
+          </a:xfrm>
+          <a:prstGeom prst="rect">
+            <a:avLst/>
+          </a:prstGeom>
+        </p:spPr>
+      </p:pic>
+    </p:spTree>
+    <p:extLst>
+      <p:ext uri="{BB962C8B-B14F-4D97-AF65-F5344CB8AC3E}">
+        <p14:creationId xmlns:p14="http://schemas.microsoft.com/office/powerpoint/2010/main" val="388888897"/>
+      </p:ext>
+    </p:extLst>
+  </p:cSld>
+  <p:clrMapOvr>
+    <a:masterClrMapping/>
+  </p:clrMapOvr>
+</p:sld>
+</file>
+
+<file path=ppt/slides/slide18.xml><?xml version="1.0" encoding="utf-8"?>
+<p:sld xmlns:a="http://schemas.openxmlformats.org/drawingml/2006/main" xmlns:r="http://schemas.openxmlformats.org/officeDocument/2006/relationships" xmlns:p="http://schemas.openxmlformats.org/presentationml/2006/main">
+  <p:cSld>
+    <p:spTree>
+      <p:nvGrpSpPr>
+        <p:cNvPr id="1" name=""/>
+        <p:cNvGrpSpPr/>
+        <p:nvPr/>
+      </p:nvGrpSpPr>
+      <p:grpSpPr>
+        <a:xfrm>
+          <a:off x="0" y="0"/>
+          <a:ext cx="0" cy="0"/>
+          <a:chOff x="0" y="0"/>
+          <a:chExt cx="0" cy="0"/>
+        </a:xfrm>
+      </p:grpSpPr>
+      <p:sp>
+        <p:nvSpPr>
+          <p:cNvPr id="2" name="Título 1"/>
+          <p:cNvSpPr>
+            <a:spLocks noGrp="1"/>
+          </p:cNvSpPr>
+          <p:nvPr>
+            <p:ph type="title"/>
+          </p:nvPr>
+        </p:nvSpPr>
+        <p:spPr/>
+        <p:txBody>
+          <a:bodyPr/>
+          <a:lstStyle/>
+          <a:p>
+            <a:endParaRPr lang="pt-BR"/>
+          </a:p>
+        </p:txBody>
+      </p:sp>
+      <p:sp>
+        <p:nvSpPr>
+          <p:cNvPr id="3" name="Espaço Reservado para Texto 2"/>
+          <p:cNvSpPr>
+            <a:spLocks noGrp="1"/>
+          </p:cNvSpPr>
+          <p:nvPr>
+            <p:ph type="body" idx="1"/>
+          </p:nvPr>
+        </p:nvSpPr>
+        <p:spPr/>
+        <p:txBody>
+          <a:bodyPr/>
+          <a:lstStyle/>
+          <a:p>
+            <a:endParaRPr lang="pt-BR"/>
+          </a:p>
+        </p:txBody>
+      </p:sp>
+      <p:pic>
+        <p:nvPicPr>
+          <p:cNvPr id="4" name="Imagem 3"/>
+          <p:cNvPicPr>
+            <a:picLocks noChangeAspect="1"/>
+          </p:cNvPicPr>
+          <p:nvPr/>
+        </p:nvPicPr>
+        <p:blipFill>
+          <a:blip r:embed="rId2"/>
+          <a:stretch>
+            <a:fillRect/>
+          </a:stretch>
+        </p:blipFill>
+        <p:spPr>
+          <a:xfrm>
+            <a:off x="0" y="0"/>
+            <a:ext cx="11430000" cy="10890250"/>
+          </a:xfrm>
+          <a:prstGeom prst="rect">
+            <a:avLst/>
+          </a:prstGeom>
+        </p:spPr>
+      </p:pic>
+    </p:spTree>
+    <p:extLst>
+      <p:ext uri="{BB962C8B-B14F-4D97-AF65-F5344CB8AC3E}">
+        <p14:creationId xmlns:p14="http://schemas.microsoft.com/office/powerpoint/2010/main" val="2157472083"/>
+      </p:ext>
+    </p:extLst>
+  </p:cSld>
+  <p:clrMapOvr>
+    <a:masterClrMapping/>
+  </p:clrMapOvr>
 </p:sld>
 </file>
 

--- a/apresentacao/VaiJunto-Conectando-Universitarios-com-Caronas-Inteligentes (1).pptx
+++ b/apresentacao/VaiJunto-Conectando-Universitarios-com-Caronas-Inteligentes (1).pptx
@@ -18,11 +18,6 @@
     <p:sldId id="266" r:id="rId12"/>
     <p:sldId id="267" r:id="rId13"/>
     <p:sldId id="268" r:id="rId14"/>
-    <p:sldId id="269" r:id="rId15"/>
-    <p:sldId id="270" r:id="rId16"/>
-    <p:sldId id="271" r:id="rId17"/>
-    <p:sldId id="272" r:id="rId18"/>
-    <p:sldId id="273" r:id="rId19"/>
   </p:sldIdLst>
   <p:sldSz cx="11430000" cy="10890250"/>
   <p:notesSz cx="11430000" cy="10890250"/>
@@ -201,7 +196,7 @@
           <a:p>
             <a:fld id="{1D8BD707-D9CF-40AE-B4C6-C98DA3205C09}" type="datetimeFigureOut">
               <a:rPr lang="en-US"/>
-              <a:t>11/24/2025</a:t>
+              <a:t>11/14/2025</a:t>
             </a:fld>
             <a:endParaRPr lang="en-US"/>
           </a:p>
@@ -378,7 +373,7 @@
           <a:p>
             <a:fld id="{1D8BD707-D9CF-40AE-B4C6-C98DA3205C09}" type="datetimeFigureOut">
               <a:rPr lang="en-US"/>
-              <a:t>11/24/2025</a:t>
+              <a:t>11/14/2025</a:t>
             </a:fld>
             <a:endParaRPr lang="en-US"/>
           </a:p>
@@ -650,7 +645,7 @@
           <a:p>
             <a:fld id="{1D8BD707-D9CF-40AE-B4C6-C98DA3205C09}" type="datetimeFigureOut">
               <a:rPr lang="en-US"/>
-              <a:t>11/24/2025</a:t>
+              <a:t>11/14/2025</a:t>
             </a:fld>
             <a:endParaRPr lang="en-US"/>
           </a:p>
@@ -798,7 +793,7 @@
           <a:p>
             <a:fld id="{1D8BD707-D9CF-40AE-B4C6-C98DA3205C09}" type="datetimeFigureOut">
               <a:rPr lang="en-US"/>
-              <a:t>11/24/2025</a:t>
+              <a:t>11/14/2025</a:t>
             </a:fld>
             <a:endParaRPr lang="en-US"/>
           </a:p>
@@ -917,7 +912,7 @@
           <a:p>
             <a:fld id="{1D8BD707-D9CF-40AE-B4C6-C98DA3205C09}" type="datetimeFigureOut">
               <a:rPr lang="en-US"/>
-              <a:t>11/24/2025</a:t>
+              <a:t>11/14/2025</a:t>
             </a:fld>
             <a:endParaRPr lang="en-US"/>
           </a:p>
@@ -1192,7 +1187,7 @@
           <a:p>
             <a:fld id="{1D8BD707-D9CF-40AE-B4C6-C98DA3205C09}" type="datetimeFigureOut">
               <a:rPr lang="en-US"/>
-              <a:t>11/24/2025</a:t>
+              <a:t>11/14/2025</a:t>
             </a:fld>
             <a:endParaRPr lang="en-US"/>
           </a:p>
@@ -1426,7 +1421,7 @@
         <p:spPr>
           <a:xfrm>
             <a:off x="0" y="253"/>
-            <a:ext cx="4114800" cy="6438645"/>
+            <a:ext cx="4286250" cy="6438645"/>
           </a:xfrm>
           <a:prstGeom prst="rect">
             <a:avLst/>
@@ -1504,7 +1499,7 @@
         </p:blipFill>
         <p:spPr>
           <a:xfrm>
-            <a:off x="9669634" y="5902325"/>
+            <a:off x="9580244" y="5926073"/>
             <a:ext cx="1754504" cy="419100"/>
           </a:xfrm>
           <a:prstGeom prst="rect">
@@ -1920,490 +1915,6 @@
       </p:par>
     </p:tnLst>
   </p:timing>
-</p:sld>
-</file>
-
-<file path=ppt/slides/slide14.xml><?xml version="1.0" encoding="utf-8"?>
-<p:sld xmlns:a="http://schemas.openxmlformats.org/drawingml/2006/main" xmlns:r="http://schemas.openxmlformats.org/officeDocument/2006/relationships" xmlns:p="http://schemas.openxmlformats.org/presentationml/2006/main">
-  <p:cSld>
-    <p:spTree>
-      <p:nvGrpSpPr>
-        <p:cNvPr id="1" name=""/>
-        <p:cNvGrpSpPr/>
-        <p:nvPr/>
-      </p:nvGrpSpPr>
-      <p:grpSpPr>
-        <a:xfrm>
-          <a:off x="0" y="0"/>
-          <a:ext cx="0" cy="0"/>
-          <a:chOff x="0" y="0"/>
-          <a:chExt cx="0" cy="0"/>
-        </a:xfrm>
-      </p:grpSpPr>
-      <p:sp>
-        <p:nvSpPr>
-          <p:cNvPr id="2" name="Título 1"/>
-          <p:cNvSpPr>
-            <a:spLocks noGrp="1"/>
-          </p:cNvSpPr>
-          <p:nvPr>
-            <p:ph type="title"/>
-          </p:nvPr>
-        </p:nvSpPr>
-        <p:spPr/>
-        <p:txBody>
-          <a:bodyPr/>
-          <a:lstStyle/>
-          <a:p>
-            <a:endParaRPr lang="pt-BR"/>
-          </a:p>
-        </p:txBody>
-      </p:sp>
-      <p:sp>
-        <p:nvSpPr>
-          <p:cNvPr id="3" name="Espaço Reservado para Texto 2"/>
-          <p:cNvSpPr>
-            <a:spLocks noGrp="1"/>
-          </p:cNvSpPr>
-          <p:nvPr>
-            <p:ph type="body" idx="1"/>
-          </p:nvPr>
-        </p:nvSpPr>
-        <p:spPr/>
-        <p:txBody>
-          <a:bodyPr/>
-          <a:lstStyle/>
-          <a:p>
-            <a:endParaRPr lang="pt-BR"/>
-          </a:p>
-        </p:txBody>
-      </p:sp>
-      <p:pic>
-        <p:nvPicPr>
-          <p:cNvPr id="4" name="Imagem 3"/>
-          <p:cNvPicPr>
-            <a:picLocks noChangeAspect="1"/>
-          </p:cNvPicPr>
-          <p:nvPr/>
-        </p:nvPicPr>
-        <p:blipFill>
-          <a:blip r:embed="rId2"/>
-          <a:stretch>
-            <a:fillRect/>
-          </a:stretch>
-        </p:blipFill>
-        <p:spPr>
-          <a:xfrm>
-            <a:off x="0" y="0"/>
-            <a:ext cx="11430000" cy="10890250"/>
-          </a:xfrm>
-          <a:prstGeom prst="rect">
-            <a:avLst/>
-          </a:prstGeom>
-        </p:spPr>
-      </p:pic>
-    </p:spTree>
-    <p:extLst>
-      <p:ext uri="{BB962C8B-B14F-4D97-AF65-F5344CB8AC3E}">
-        <p14:creationId xmlns:p14="http://schemas.microsoft.com/office/powerpoint/2010/main" val="379577648"/>
-      </p:ext>
-    </p:extLst>
-  </p:cSld>
-  <p:clrMapOvr>
-    <a:masterClrMapping/>
-  </p:clrMapOvr>
-</p:sld>
-</file>
-
-<file path=ppt/slides/slide15.xml><?xml version="1.0" encoding="utf-8"?>
-<p:sld xmlns:a="http://schemas.openxmlformats.org/drawingml/2006/main" xmlns:r="http://schemas.openxmlformats.org/officeDocument/2006/relationships" xmlns:p="http://schemas.openxmlformats.org/presentationml/2006/main">
-  <p:cSld>
-    <p:spTree>
-      <p:nvGrpSpPr>
-        <p:cNvPr id="1" name=""/>
-        <p:cNvGrpSpPr/>
-        <p:nvPr/>
-      </p:nvGrpSpPr>
-      <p:grpSpPr>
-        <a:xfrm>
-          <a:off x="0" y="0"/>
-          <a:ext cx="0" cy="0"/>
-          <a:chOff x="0" y="0"/>
-          <a:chExt cx="0" cy="0"/>
-        </a:xfrm>
-      </p:grpSpPr>
-      <p:sp>
-        <p:nvSpPr>
-          <p:cNvPr id="2" name="Título 1"/>
-          <p:cNvSpPr>
-            <a:spLocks noGrp="1"/>
-          </p:cNvSpPr>
-          <p:nvPr>
-            <p:ph type="title"/>
-          </p:nvPr>
-        </p:nvSpPr>
-        <p:spPr/>
-        <p:txBody>
-          <a:bodyPr/>
-          <a:lstStyle/>
-          <a:p>
-            <a:endParaRPr lang="pt-BR"/>
-          </a:p>
-        </p:txBody>
-      </p:sp>
-      <p:sp>
-        <p:nvSpPr>
-          <p:cNvPr id="3" name="Espaço Reservado para Texto 2"/>
-          <p:cNvSpPr>
-            <a:spLocks noGrp="1"/>
-          </p:cNvSpPr>
-          <p:nvPr>
-            <p:ph type="body" idx="1"/>
-          </p:nvPr>
-        </p:nvSpPr>
-        <p:spPr/>
-        <p:txBody>
-          <a:bodyPr/>
-          <a:lstStyle/>
-          <a:p>
-            <a:endParaRPr lang="pt-BR"/>
-          </a:p>
-        </p:txBody>
-      </p:sp>
-      <p:pic>
-        <p:nvPicPr>
-          <p:cNvPr id="4" name="Imagem 3"/>
-          <p:cNvPicPr>
-            <a:picLocks noChangeAspect="1"/>
-          </p:cNvPicPr>
-          <p:nvPr/>
-        </p:nvPicPr>
-        <p:blipFill>
-          <a:blip r:embed="rId2"/>
-          <a:stretch>
-            <a:fillRect/>
-          </a:stretch>
-        </p:blipFill>
-        <p:spPr>
-          <a:xfrm>
-            <a:off x="0" y="0"/>
-            <a:ext cx="11430000" cy="10890250"/>
-          </a:xfrm>
-          <a:prstGeom prst="rect">
-            <a:avLst/>
-          </a:prstGeom>
-        </p:spPr>
-      </p:pic>
-    </p:spTree>
-    <p:extLst>
-      <p:ext uri="{BB962C8B-B14F-4D97-AF65-F5344CB8AC3E}">
-        <p14:creationId xmlns:p14="http://schemas.microsoft.com/office/powerpoint/2010/main" val="4086745215"/>
-      </p:ext>
-    </p:extLst>
-  </p:cSld>
-  <p:clrMapOvr>
-    <a:masterClrMapping/>
-  </p:clrMapOvr>
-</p:sld>
-</file>
-
-<file path=ppt/slides/slide16.xml><?xml version="1.0" encoding="utf-8"?>
-<p:sld xmlns:a="http://schemas.openxmlformats.org/drawingml/2006/main" xmlns:r="http://schemas.openxmlformats.org/officeDocument/2006/relationships" xmlns:p="http://schemas.openxmlformats.org/presentationml/2006/main">
-  <p:cSld>
-    <p:spTree>
-      <p:nvGrpSpPr>
-        <p:cNvPr id="1" name=""/>
-        <p:cNvGrpSpPr/>
-        <p:nvPr/>
-      </p:nvGrpSpPr>
-      <p:grpSpPr>
-        <a:xfrm>
-          <a:off x="0" y="0"/>
-          <a:ext cx="0" cy="0"/>
-          <a:chOff x="0" y="0"/>
-          <a:chExt cx="0" cy="0"/>
-        </a:xfrm>
-      </p:grpSpPr>
-      <p:sp>
-        <p:nvSpPr>
-          <p:cNvPr id="2" name="Título 1"/>
-          <p:cNvSpPr>
-            <a:spLocks noGrp="1"/>
-          </p:cNvSpPr>
-          <p:nvPr>
-            <p:ph type="title"/>
-          </p:nvPr>
-        </p:nvSpPr>
-        <p:spPr/>
-        <p:txBody>
-          <a:bodyPr/>
-          <a:lstStyle/>
-          <a:p>
-            <a:endParaRPr lang="pt-BR"/>
-          </a:p>
-        </p:txBody>
-      </p:sp>
-      <p:sp>
-        <p:nvSpPr>
-          <p:cNvPr id="3" name="Espaço Reservado para Texto 2"/>
-          <p:cNvSpPr>
-            <a:spLocks noGrp="1"/>
-          </p:cNvSpPr>
-          <p:nvPr>
-            <p:ph type="body" idx="1"/>
-          </p:nvPr>
-        </p:nvSpPr>
-        <p:spPr/>
-        <p:txBody>
-          <a:bodyPr/>
-          <a:lstStyle/>
-          <a:p>
-            <a:endParaRPr lang="pt-BR"/>
-          </a:p>
-        </p:txBody>
-      </p:sp>
-      <p:pic>
-        <p:nvPicPr>
-          <p:cNvPr id="4" name="Imagem 3"/>
-          <p:cNvPicPr>
-            <a:picLocks noChangeAspect="1"/>
-          </p:cNvPicPr>
-          <p:nvPr/>
-        </p:nvPicPr>
-        <p:blipFill>
-          <a:blip r:embed="rId2"/>
-          <a:stretch>
-            <a:fillRect/>
-          </a:stretch>
-        </p:blipFill>
-        <p:spPr>
-          <a:xfrm>
-            <a:off x="0" y="0"/>
-            <a:ext cx="11430000" cy="4683124"/>
-          </a:xfrm>
-          <a:prstGeom prst="rect">
-            <a:avLst/>
-          </a:prstGeom>
-        </p:spPr>
-      </p:pic>
-      <p:pic>
-        <p:nvPicPr>
-          <p:cNvPr id="5" name="Imagem 4"/>
-          <p:cNvPicPr>
-            <a:picLocks noChangeAspect="1"/>
-          </p:cNvPicPr>
-          <p:nvPr/>
-        </p:nvPicPr>
-        <p:blipFill>
-          <a:blip r:embed="rId3"/>
-          <a:stretch>
-            <a:fillRect/>
-          </a:stretch>
-        </p:blipFill>
-        <p:spPr>
-          <a:xfrm>
-            <a:off x="1" y="4683124"/>
-            <a:ext cx="11430000" cy="6207125"/>
-          </a:xfrm>
-          <a:prstGeom prst="rect">
-            <a:avLst/>
-          </a:prstGeom>
-        </p:spPr>
-      </p:pic>
-    </p:spTree>
-    <p:extLst>
-      <p:ext uri="{BB962C8B-B14F-4D97-AF65-F5344CB8AC3E}">
-        <p14:creationId xmlns:p14="http://schemas.microsoft.com/office/powerpoint/2010/main" val="1588127333"/>
-      </p:ext>
-    </p:extLst>
-  </p:cSld>
-  <p:clrMapOvr>
-    <a:masterClrMapping/>
-  </p:clrMapOvr>
-</p:sld>
-</file>
-
-<file path=ppt/slides/slide17.xml><?xml version="1.0" encoding="utf-8"?>
-<p:sld xmlns:a="http://schemas.openxmlformats.org/drawingml/2006/main" xmlns:r="http://schemas.openxmlformats.org/officeDocument/2006/relationships" xmlns:p="http://schemas.openxmlformats.org/presentationml/2006/main">
-  <p:cSld>
-    <p:spTree>
-      <p:nvGrpSpPr>
-        <p:cNvPr id="1" name=""/>
-        <p:cNvGrpSpPr/>
-        <p:nvPr/>
-      </p:nvGrpSpPr>
-      <p:grpSpPr>
-        <a:xfrm>
-          <a:off x="0" y="0"/>
-          <a:ext cx="0" cy="0"/>
-          <a:chOff x="0" y="0"/>
-          <a:chExt cx="0" cy="0"/>
-        </a:xfrm>
-      </p:grpSpPr>
-      <p:sp>
-        <p:nvSpPr>
-          <p:cNvPr id="2" name="Título 1"/>
-          <p:cNvSpPr>
-            <a:spLocks noGrp="1"/>
-          </p:cNvSpPr>
-          <p:nvPr>
-            <p:ph type="title"/>
-          </p:nvPr>
-        </p:nvSpPr>
-        <p:spPr/>
-        <p:txBody>
-          <a:bodyPr/>
-          <a:lstStyle/>
-          <a:p>
-            <a:endParaRPr lang="pt-BR"/>
-          </a:p>
-        </p:txBody>
-      </p:sp>
-      <p:sp>
-        <p:nvSpPr>
-          <p:cNvPr id="3" name="Espaço Reservado para Texto 2"/>
-          <p:cNvSpPr>
-            <a:spLocks noGrp="1"/>
-          </p:cNvSpPr>
-          <p:nvPr>
-            <p:ph type="body" idx="1"/>
-          </p:nvPr>
-        </p:nvSpPr>
-        <p:spPr/>
-        <p:txBody>
-          <a:bodyPr/>
-          <a:lstStyle/>
-          <a:p>
-            <a:endParaRPr lang="pt-BR"/>
-          </a:p>
-        </p:txBody>
-      </p:sp>
-      <p:pic>
-        <p:nvPicPr>
-          <p:cNvPr id="4" name="Imagem 3"/>
-          <p:cNvPicPr>
-            <a:picLocks noChangeAspect="1"/>
-          </p:cNvPicPr>
-          <p:nvPr/>
-        </p:nvPicPr>
-        <p:blipFill>
-          <a:blip r:embed="rId2"/>
-          <a:stretch>
-            <a:fillRect/>
-          </a:stretch>
-        </p:blipFill>
-        <p:spPr>
-          <a:xfrm>
-            <a:off x="-1" y="0"/>
-            <a:ext cx="11430001" cy="10890249"/>
-          </a:xfrm>
-          <a:prstGeom prst="rect">
-            <a:avLst/>
-          </a:prstGeom>
-        </p:spPr>
-      </p:pic>
-    </p:spTree>
-    <p:extLst>
-      <p:ext uri="{BB962C8B-B14F-4D97-AF65-F5344CB8AC3E}">
-        <p14:creationId xmlns:p14="http://schemas.microsoft.com/office/powerpoint/2010/main" val="388888897"/>
-      </p:ext>
-    </p:extLst>
-  </p:cSld>
-  <p:clrMapOvr>
-    <a:masterClrMapping/>
-  </p:clrMapOvr>
-</p:sld>
-</file>
-
-<file path=ppt/slides/slide18.xml><?xml version="1.0" encoding="utf-8"?>
-<p:sld xmlns:a="http://schemas.openxmlformats.org/drawingml/2006/main" xmlns:r="http://schemas.openxmlformats.org/officeDocument/2006/relationships" xmlns:p="http://schemas.openxmlformats.org/presentationml/2006/main">
-  <p:cSld>
-    <p:spTree>
-      <p:nvGrpSpPr>
-        <p:cNvPr id="1" name=""/>
-        <p:cNvGrpSpPr/>
-        <p:nvPr/>
-      </p:nvGrpSpPr>
-      <p:grpSpPr>
-        <a:xfrm>
-          <a:off x="0" y="0"/>
-          <a:ext cx="0" cy="0"/>
-          <a:chOff x="0" y="0"/>
-          <a:chExt cx="0" cy="0"/>
-        </a:xfrm>
-      </p:grpSpPr>
-      <p:sp>
-        <p:nvSpPr>
-          <p:cNvPr id="2" name="Título 1"/>
-          <p:cNvSpPr>
-            <a:spLocks noGrp="1"/>
-          </p:cNvSpPr>
-          <p:nvPr>
-            <p:ph type="title"/>
-          </p:nvPr>
-        </p:nvSpPr>
-        <p:spPr/>
-        <p:txBody>
-          <a:bodyPr/>
-          <a:lstStyle/>
-          <a:p>
-            <a:endParaRPr lang="pt-BR"/>
-          </a:p>
-        </p:txBody>
-      </p:sp>
-      <p:sp>
-        <p:nvSpPr>
-          <p:cNvPr id="3" name="Espaço Reservado para Texto 2"/>
-          <p:cNvSpPr>
-            <a:spLocks noGrp="1"/>
-          </p:cNvSpPr>
-          <p:nvPr>
-            <p:ph type="body" idx="1"/>
-          </p:nvPr>
-        </p:nvSpPr>
-        <p:spPr/>
-        <p:txBody>
-          <a:bodyPr/>
-          <a:lstStyle/>
-          <a:p>
-            <a:endParaRPr lang="pt-BR"/>
-          </a:p>
-        </p:txBody>
-      </p:sp>
-      <p:pic>
-        <p:nvPicPr>
-          <p:cNvPr id="4" name="Imagem 3"/>
-          <p:cNvPicPr>
-            <a:picLocks noChangeAspect="1"/>
-          </p:cNvPicPr>
-          <p:nvPr/>
-        </p:nvPicPr>
-        <p:blipFill>
-          <a:blip r:embed="rId2"/>
-          <a:stretch>
-            <a:fillRect/>
-          </a:stretch>
-        </p:blipFill>
-        <p:spPr>
-          <a:xfrm>
-            <a:off x="0" y="0"/>
-            <a:ext cx="11430000" cy="10890250"/>
-          </a:xfrm>
-          <a:prstGeom prst="rect">
-            <a:avLst/>
-          </a:prstGeom>
-        </p:spPr>
-      </p:pic>
-    </p:spTree>
-    <p:extLst>
-      <p:ext uri="{BB962C8B-B14F-4D97-AF65-F5344CB8AC3E}">
-        <p14:creationId xmlns:p14="http://schemas.microsoft.com/office/powerpoint/2010/main" val="2157472083"/>
-      </p:ext>
-    </p:extLst>
-  </p:cSld>
-  <p:clrMapOvr>
-    <a:masterClrMapping/>
-  </p:clrMapOvr>
 </p:sld>
 </file>
 
